--- a/단어 분석 및 spark 이해 및 활용/linux_ppt/2장_디렉터리와파일사용하기.pptx
+++ b/단어 분석 및 spark 이해 및 활용/linux_ppt/2장_디렉터리와파일사용하기.pptx
@@ -207,7 +207,7 @@
   </p:defaultTextStyle>
   <p:extLst>
     <p:ext uri="{EFAFB233-063F-42B5-8137-9DF3F51BA10A}">
-      <p15:sldGuideLst xmlns:p15="http://schemas.microsoft.com/office/powerpoint/2012/main" xmlns="">
+      <p15:sldGuideLst xmlns:p15="http://schemas.microsoft.com/office/powerpoint/2012/main">
         <p15:guide id="1" orient="horz" pos="119">
           <p15:clr>
             <a:srgbClr val="A4A3A4"/>
@@ -221,7 +221,7 @@
       </p15:sldGuideLst>
     </p:ext>
     <p:ext uri="{2D200454-40CA-4A62-9FC3-DE9A4176ACB9}">
-      <p15:notesGuideLst xmlns:p15="http://schemas.microsoft.com/office/powerpoint/2012/main" xmlns="">
+      <p15:notesGuideLst xmlns:p15="http://schemas.microsoft.com/office/powerpoint/2012/main">
         <p15:guide id="1" orient="horz" pos="2880">
           <p15:clr>
             <a:srgbClr val="A4A3A4"/>
@@ -321,7 +321,7 @@
             <a:fld id="{36C39FFA-0F1A-413B-9BFE-941741C2D487}" type="datetimeFigureOut">
               <a:rPr lang="ko-KR" altLang="en-US" smtClean="0"/>
               <a:pPr/>
-              <a:t>2019-08-05</a:t>
+              <a:t>2020-01-29</a:t>
             </a:fld>
             <a:endParaRPr lang="ko-KR" altLang="en-US"/>
           </a:p>
@@ -488,7 +488,7 @@
             <a:fld id="{62F6F0AE-7B65-4C9A-8729-A5D1A0ABE57B}" type="datetimeFigureOut">
               <a:rPr lang="ko-KR" altLang="en-US" smtClean="0"/>
               <a:pPr/>
-              <a:t>2019-08-05</a:t>
+              <a:t>2020-01-29</a:t>
             </a:fld>
             <a:endParaRPr lang="ko-KR" altLang="en-US"/>
           </a:p>
@@ -800,11 +800,45 @@
         </p:nvSpPr>
         <p:spPr/>
         <p:txBody>
-          <a:bodyPr>
-            <a:normAutofit/>
-          </a:bodyPr>
+          <a:bodyPr/>
           <a:lstStyle/>
           <a:p>
+            <a:r>
+              <a:rPr lang="ko-KR" altLang="en-US" dirty="0" err="1" smtClean="0"/>
+              <a:t>심벌릭</a:t>
+            </a:r>
+            <a:r>
+              <a:rPr lang="ko-KR" altLang="en-US" dirty="0" smtClean="0"/>
+              <a:t> 링크는 </a:t>
+            </a:r>
+            <a:r>
+              <a:rPr lang="en-US" altLang="ko-KR" dirty="0" err="1" smtClean="0"/>
+              <a:t>allias</a:t>
+            </a:r>
+            <a:r>
+              <a:rPr lang="en-US" altLang="ko-KR" dirty="0" smtClean="0"/>
+              <a:t> </a:t>
+            </a:r>
+            <a:r>
+              <a:rPr lang="ko-KR" altLang="en-US" dirty="0" smtClean="0"/>
+              <a:t>처럼 원본 파일 명을 대신해서 다른 이름으로 파일 명을 </a:t>
+            </a:r>
+            <a:r>
+              <a:rPr lang="ko-KR" altLang="en-US" dirty="0" err="1" smtClean="0"/>
+              <a:t>지정한것</a:t>
+            </a:r>
+            <a:r>
+              <a:rPr lang="en-US" altLang="ko-KR" dirty="0" smtClean="0"/>
+              <a:t>(</a:t>
+            </a:r>
+            <a:r>
+              <a:rPr lang="ko-KR" altLang="en-US" dirty="0" smtClean="0"/>
+              <a:t>원본 파일명이 길고 복잡할 때</a:t>
+            </a:r>
+            <a:r>
+              <a:rPr lang="en-US" altLang="ko-KR" dirty="0" smtClean="0"/>
+              <a:t>)</a:t>
+            </a:r>
             <a:endParaRPr lang="ko-KR" altLang="en-US" dirty="0"/>
           </a:p>
         </p:txBody>
@@ -827,6 +861,198 @@
             <a:fld id="{A9E72E7F-A2FE-4F50-A94D-8786A43CAC67}" type="slidenum">
               <a:rPr lang="ko-KR" altLang="en-US" smtClean="0"/>
               <a:pPr/>
+              <a:t>5</a:t>
+            </a:fld>
+            <a:endParaRPr lang="ko-KR" altLang="en-US"/>
+          </a:p>
+        </p:txBody>
+      </p:sp>
+    </p:spTree>
+    <p:extLst>
+      <p:ext uri="{BB962C8B-B14F-4D97-AF65-F5344CB8AC3E}">
+        <p14:creationId xmlns:p14="http://schemas.microsoft.com/office/powerpoint/2010/main" val="2659948164"/>
+      </p:ext>
+    </p:extLst>
+  </p:cSld>
+  <p:clrMapOvr>
+    <a:masterClrMapping/>
+  </p:clrMapOvr>
+</p:notes>
+</file>
+
+<file path=ppt/notesSlides/notesSlide2.xml><?xml version="1.0" encoding="utf-8"?>
+<p:notes xmlns:a="http://schemas.openxmlformats.org/drawingml/2006/main" xmlns:r="http://schemas.openxmlformats.org/officeDocument/2006/relationships" xmlns:p="http://schemas.openxmlformats.org/presentationml/2006/main">
+  <p:cSld>
+    <p:spTree>
+      <p:nvGrpSpPr>
+        <p:cNvPr id="1" name=""/>
+        <p:cNvGrpSpPr/>
+        <p:nvPr/>
+      </p:nvGrpSpPr>
+      <p:grpSpPr>
+        <a:xfrm>
+          <a:off x="0" y="0"/>
+          <a:ext cx="0" cy="0"/>
+          <a:chOff x="0" y="0"/>
+          <a:chExt cx="0" cy="0"/>
+        </a:xfrm>
+      </p:grpSpPr>
+      <p:sp>
+        <p:nvSpPr>
+          <p:cNvPr id="2" name="슬라이드 이미지 개체 틀 1"/>
+          <p:cNvSpPr>
+            <a:spLocks noGrp="1" noRot="1" noChangeAspect="1"/>
+          </p:cNvSpPr>
+          <p:nvPr>
+            <p:ph type="sldImg"/>
+          </p:nvPr>
+        </p:nvSpPr>
+        <p:spPr/>
+      </p:sp>
+      <p:sp>
+        <p:nvSpPr>
+          <p:cNvPr id="3" name="슬라이드 노트 개체 틀 2"/>
+          <p:cNvSpPr>
+            <a:spLocks noGrp="1"/>
+          </p:cNvSpPr>
+          <p:nvPr>
+            <p:ph type="body" idx="1"/>
+          </p:nvPr>
+        </p:nvSpPr>
+        <p:spPr/>
+        <p:txBody>
+          <a:bodyPr/>
+          <a:lstStyle/>
+          <a:p>
+            <a:r>
+              <a:rPr lang="en-US" altLang="ko-KR" dirty="0" smtClean="0"/>
+              <a:t>/: </a:t>
+            </a:r>
+            <a:r>
+              <a:rPr lang="en-US" altLang="ko-KR" dirty="0" err="1" smtClean="0"/>
+              <a:t>CentOS</a:t>
+            </a:r>
+            <a:r>
+              <a:rPr lang="ko-KR" altLang="en-US" dirty="0" smtClean="0"/>
+              <a:t>의 경우 </a:t>
+            </a:r>
+            <a:r>
+              <a:rPr lang="en-US" altLang="ko-KR" dirty="0" smtClean="0"/>
+              <a:t>computer</a:t>
+            </a:r>
+            <a:r>
+              <a:rPr lang="ko-KR" altLang="en-US" dirty="0" smtClean="0"/>
+              <a:t>폴더에 해당 </a:t>
+            </a:r>
+            <a:endParaRPr lang="ko-KR" altLang="en-US" dirty="0"/>
+          </a:p>
+        </p:txBody>
+      </p:sp>
+      <p:sp>
+        <p:nvSpPr>
+          <p:cNvPr id="4" name="슬라이드 번호 개체 틀 3"/>
+          <p:cNvSpPr>
+            <a:spLocks noGrp="1"/>
+          </p:cNvSpPr>
+          <p:nvPr>
+            <p:ph type="sldNum" sz="quarter" idx="10"/>
+          </p:nvPr>
+        </p:nvSpPr>
+        <p:spPr/>
+        <p:txBody>
+          <a:bodyPr/>
+          <a:lstStyle/>
+          <a:p>
+            <a:fld id="{A9E72E7F-A2FE-4F50-A94D-8786A43CAC67}" type="slidenum">
+              <a:rPr lang="ko-KR" altLang="en-US" smtClean="0"/>
+              <a:pPr/>
+              <a:t>7</a:t>
+            </a:fld>
+            <a:endParaRPr lang="ko-KR" altLang="en-US"/>
+          </a:p>
+        </p:txBody>
+      </p:sp>
+    </p:spTree>
+    <p:extLst>
+      <p:ext uri="{BB962C8B-B14F-4D97-AF65-F5344CB8AC3E}">
+        <p14:creationId xmlns:p14="http://schemas.microsoft.com/office/powerpoint/2010/main" val="598983599"/>
+      </p:ext>
+    </p:extLst>
+  </p:cSld>
+  <p:clrMapOvr>
+    <a:masterClrMapping/>
+  </p:clrMapOvr>
+</p:notes>
+</file>
+
+<file path=ppt/notesSlides/notesSlide3.xml><?xml version="1.0" encoding="utf-8"?>
+<p:notes xmlns:a="http://schemas.openxmlformats.org/drawingml/2006/main" xmlns:r="http://schemas.openxmlformats.org/officeDocument/2006/relationships" xmlns:p="http://schemas.openxmlformats.org/presentationml/2006/main">
+  <p:cSld>
+    <p:spTree>
+      <p:nvGrpSpPr>
+        <p:cNvPr id="1" name=""/>
+        <p:cNvGrpSpPr/>
+        <p:nvPr/>
+      </p:nvGrpSpPr>
+      <p:grpSpPr>
+        <a:xfrm>
+          <a:off x="0" y="0"/>
+          <a:ext cx="0" cy="0"/>
+          <a:chOff x="0" y="0"/>
+          <a:chExt cx="0" cy="0"/>
+        </a:xfrm>
+      </p:grpSpPr>
+      <p:sp>
+        <p:nvSpPr>
+          <p:cNvPr id="2" name="슬라이드 이미지 개체 틀 1"/>
+          <p:cNvSpPr>
+            <a:spLocks noGrp="1" noRot="1" noChangeAspect="1"/>
+          </p:cNvSpPr>
+          <p:nvPr>
+            <p:ph type="sldImg"/>
+          </p:nvPr>
+        </p:nvSpPr>
+        <p:spPr/>
+      </p:sp>
+      <p:sp>
+        <p:nvSpPr>
+          <p:cNvPr id="3" name="슬라이드 노트 개체 틀 2"/>
+          <p:cNvSpPr>
+            <a:spLocks noGrp="1"/>
+          </p:cNvSpPr>
+          <p:nvPr>
+            <p:ph type="body" idx="1"/>
+          </p:nvPr>
+        </p:nvSpPr>
+        <p:spPr/>
+        <p:txBody>
+          <a:bodyPr>
+            <a:normAutofit/>
+          </a:bodyPr>
+          <a:lstStyle/>
+          <a:p>
+            <a:endParaRPr lang="ko-KR" altLang="en-US" dirty="0"/>
+          </a:p>
+        </p:txBody>
+      </p:sp>
+      <p:sp>
+        <p:nvSpPr>
+          <p:cNvPr id="4" name="슬라이드 번호 개체 틀 3"/>
+          <p:cNvSpPr>
+            <a:spLocks noGrp="1"/>
+          </p:cNvSpPr>
+          <p:nvPr>
+            <p:ph type="sldNum" sz="quarter" idx="10"/>
+          </p:nvPr>
+        </p:nvSpPr>
+        <p:spPr/>
+        <p:txBody>
+          <a:bodyPr/>
+          <a:lstStyle/>
+          <a:p>
+            <a:fld id="{A9E72E7F-A2FE-4F50-A94D-8786A43CAC67}" type="slidenum">
+              <a:rPr lang="ko-KR" altLang="en-US" smtClean="0"/>
+              <a:pPr/>
               <a:t>40</a:t>
             </a:fld>
             <a:endParaRPr lang="ko-KR" altLang="en-US"/>
@@ -834,6 +1060,11 @@
         </p:txBody>
       </p:sp>
     </p:spTree>
+    <p:extLst>
+      <p:ext uri="{BB962C8B-B14F-4D97-AF65-F5344CB8AC3E}">
+        <p14:creationId xmlns:p14="http://schemas.microsoft.com/office/powerpoint/2010/main" val="1675817438"/>
+      </p:ext>
+    </p:extLst>
   </p:cSld>
   <p:clrMapOvr>
     <a:masterClrMapping/>
@@ -3497,7 +3728,7 @@
               <a:pPr>
                 <a:defRPr/>
               </a:pPr>
-              <a:t>2019-08-05</a:t>
+              <a:t>2020-01-29</a:t>
             </a:fld>
             <a:endParaRPr lang="ko-KR" altLang="en-US" dirty="0"/>
           </a:p>
@@ -14465,14 +14696,18 @@
             </a:r>
             <a:r>
               <a:rPr lang="ko-KR" altLang="en-US" dirty="0"/>
-              <a:t> 파일은 사용 목적에 따라 일반 파일</a:t>
+              <a:t> 파일은 사용 목적에 따라 </a:t>
+            </a:r>
+            <a:r>
+              <a:rPr lang="ko-KR" altLang="en-US" b="1" dirty="0"/>
+              <a:t>일반 파일</a:t>
             </a:r>
             <a:r>
               <a:rPr lang="en-US" altLang="ko-KR" dirty="0"/>
               <a:t>, </a:t>
             </a:r>
             <a:r>
-              <a:rPr lang="ko-KR" altLang="en-US" dirty="0"/>
+              <a:rPr lang="ko-KR" altLang="en-US" b="1" dirty="0"/>
               <a:t>디렉터리</a:t>
             </a:r>
             <a:r>
@@ -14480,15 +14715,15 @@
               <a:t>, </a:t>
             </a:r>
             <a:r>
-              <a:rPr lang="ko-KR" altLang="en-US" dirty="0" err="1" smtClean="0"/>
+              <a:rPr lang="ko-KR" altLang="en-US" b="1" dirty="0" err="1" smtClean="0"/>
               <a:t>심벌릭</a:t>
             </a:r>
             <a:r>
-              <a:rPr lang="ko-KR" altLang="en-US" dirty="0" smtClean="0"/>
+              <a:rPr lang="ko-KR" altLang="en-US" b="1" dirty="0" smtClean="0"/>
               <a:t> </a:t>
             </a:r>
             <a:r>
-              <a:rPr lang="ko-KR" altLang="en-US" dirty="0"/>
+              <a:rPr lang="ko-KR" altLang="en-US" b="1" dirty="0"/>
               <a:t>링크</a:t>
             </a:r>
             <a:r>
@@ -14496,8 +14731,12 @@
               <a:t>, </a:t>
             </a:r>
             <a:r>
-              <a:rPr lang="ko-KR" altLang="en-US" dirty="0"/>
-              <a:t>장치 파일로 구분</a:t>
+              <a:rPr lang="ko-KR" altLang="en-US" b="1" dirty="0"/>
+              <a:t>장치 파일</a:t>
+            </a:r>
+            <a:r>
+              <a:rPr lang="ko-KR" altLang="en-US" dirty="0"/>
+              <a:t>로 구분</a:t>
             </a:r>
           </a:p>
           <a:p>
@@ -18731,7 +18970,7 @@
           <p:nvPr/>
         </p:nvPicPr>
         <p:blipFill>
-          <a:blip r:embed="rId2"/>
+          <a:blip r:embed="rId3"/>
           <a:stretch>
             <a:fillRect/>
           </a:stretch>

--- a/단어 분석 및 spark 이해 및 활용/linux_ppt/2장_디렉터리와파일사용하기.pptx
+++ b/단어 분석 및 spark 이해 및 활용/linux_ppt/2장_디렉터리와파일사용하기.pptx
@@ -321,7 +321,7 @@
             <a:fld id="{36C39FFA-0F1A-413B-9BFE-941741C2D487}" type="datetimeFigureOut">
               <a:rPr lang="ko-KR" altLang="en-US" smtClean="0"/>
               <a:pPr/>
-              <a:t>2020-01-29</a:t>
+              <a:t>2020-01-30</a:t>
             </a:fld>
             <a:endParaRPr lang="ko-KR" altLang="en-US"/>
           </a:p>
@@ -488,7 +488,7 @@
             <a:fld id="{62F6F0AE-7B65-4C9A-8729-A5D1A0ABE57B}" type="datetimeFigureOut">
               <a:rPr lang="ko-KR" altLang="en-US" smtClean="0"/>
               <a:pPr/>
-              <a:t>2020-01-29</a:t>
+              <a:t>2020-01-30</a:t>
             </a:fld>
             <a:endParaRPr lang="ko-KR" altLang="en-US"/>
           </a:p>
@@ -3728,7 +3728,7 @@
               <a:pPr>
                 <a:defRPr/>
               </a:pPr>
-              <a:t>2020-01-29</a:t>
+              <a:t>2020-01-30</a:t>
             </a:fld>
             <a:endParaRPr lang="ko-KR" altLang="en-US" dirty="0"/>
           </a:p>
